--- a/1. Core Java 8/Day 3/Slides/2. Understanding Java Classes and Objects/understanding-java-classes-and-objects-slides.pptx
+++ b/1. Core Java 8/Day 3/Slides/2. Understanding Java Classes and Objects/understanding-java-classes-and-objects-slides.pptx
@@ -22796,7 +22796,7 @@
         <p:spPr>
           <a:xfrm>
             <a:off x="657859" y="2278379"/>
-            <a:ext cx="5359400" cy="2311400"/>
+            <a:ext cx="5359400" cy="2397760"/>
           </a:xfrm>
           <a:prstGeom prst="rect">
             <a:avLst/>
@@ -22989,6 +22989,43 @@
                 <a:cs typeface="Courier New" panose="02070309020205020404"/>
               </a:rPr>
               <a:t> </a:t>
+            </a:r>
+            <a:endParaRPr sz="2000" spc="-1190" dirty="0">
+              <a:solidFill>
+                <a:srgbClr val="FFFFFF"/>
+              </a:solidFill>
+              <a:latin typeface="Courier New" panose="02070309020205020404"/>
+              <a:cs typeface="Courier New" panose="02070309020205020404"/>
+            </a:endParaRPr>
+          </a:p>
+          <a:p>
+            <a:pPr marL="317500" marR="1833245" indent="-304800">
+              <a:lnSpc>
+                <a:spcPct val="150000"/>
+              </a:lnSpc>
+              <a:spcBef>
+                <a:spcPts val="600"/>
+              </a:spcBef>
+            </a:pPr>
+            <a:r>
+              <a:rPr sz="2000" spc="-1190" dirty="0">
+                <a:solidFill>
+                  <a:srgbClr val="FFFFFF"/>
+                </a:solidFill>
+                <a:latin typeface="Courier New" panose="02070309020205020404"/>
+                <a:cs typeface="Courier New" panose="02070309020205020404"/>
+              </a:rPr>
+              <a:t> </a:t>
+            </a:r>
+            <a:r>
+              <a:rPr lang="en-US" sz="2000" spc="-1190" dirty="0">
+                <a:solidFill>
+                  <a:srgbClr val="FFFFFF"/>
+                </a:solidFill>
+                <a:latin typeface="Courier New" panose="02070309020205020404"/>
+                <a:cs typeface="Courier New" panose="02070309020205020404"/>
+              </a:rPr>
+              <a:t>  	</a:t>
             </a:r>
             <a:r>
               <a:rPr sz="2000" spc="-5" dirty="0">
@@ -31310,8 +31347,8 @@
         </p:nvSpPr>
         <p:spPr>
           <a:xfrm>
-            <a:off x="353059" y="714755"/>
-            <a:ext cx="2616200" cy="1397000"/>
+            <a:off x="353060" y="715010"/>
+            <a:ext cx="7037705" cy="1397635"/>
           </a:xfrm>
           <a:prstGeom prst="rect">
             <a:avLst/>
@@ -31391,6 +31428,15 @@
               </a:rPr>
               <a:t> </a:t>
             </a:r>
+            <a:br>
+              <a:rPr sz="2000" spc="5" dirty="0">
+                <a:solidFill>
+                  <a:srgbClr val="F2F2F2"/>
+                </a:solidFill>
+                <a:latin typeface="Courier New" panose="02070309020205020404"/>
+                <a:cs typeface="Courier New" panose="02070309020205020404"/>
+              </a:rPr>
+            </a:br>
             <a:r>
               <a:rPr sz="2000" spc="-5" dirty="0">
                 <a:latin typeface="Courier New" panose="02070309020205020404"/>
@@ -31412,6 +31458,12 @@
               </a:rPr>
               <a:t>passengers; </a:t>
             </a:r>
+            <a:br>
+              <a:rPr sz="2000" spc="-5" dirty="0">
+                <a:latin typeface="Courier New" panose="02070309020205020404"/>
+                <a:cs typeface="Courier New" panose="02070309020205020404"/>
+              </a:rPr>
+            </a:br>
             <a:r>
               <a:rPr sz="2000" spc="-1185" dirty="0">
                 <a:latin typeface="Courier New" panose="02070309020205020404"/>
